--- a/проект.pptx
+++ b/проект.pptx
@@ -265,7 +265,7 @@
             <a:fld id="{B61BEF0D-F0BB-DE4B-95CE-6DB70DBA9567}" type="datetimeFigureOut">
               <a:rPr lang="en-US" smtClean="0"/>
               <a:pPr/>
-              <a:t>12/15/2020</a:t>
+              <a:t>3/1/2021</a:t>
             </a:fld>
             <a:endParaRPr lang="en-US" dirty="0"/>
           </a:p>
@@ -478,7 +478,7 @@
             <a:fld id="{B61BEF0D-F0BB-DE4B-95CE-6DB70DBA9567}" type="datetimeFigureOut">
               <a:rPr lang="en-US" smtClean="0"/>
               <a:pPr/>
-              <a:t>12/15/2020</a:t>
+              <a:t>3/1/2021</a:t>
             </a:fld>
             <a:endParaRPr lang="en-US" dirty="0"/>
           </a:p>
@@ -695,7 +695,7 @@
             <a:fld id="{B61BEF0D-F0BB-DE4B-95CE-6DB70DBA9567}" type="datetimeFigureOut">
               <a:rPr lang="en-US" smtClean="0"/>
               <a:pPr/>
-              <a:t>12/15/2020</a:t>
+              <a:t>3/1/2021</a:t>
             </a:fld>
             <a:endParaRPr lang="en-US" dirty="0"/>
           </a:p>
@@ -898,7 +898,7 @@
             <a:fld id="{B61BEF0D-F0BB-DE4B-95CE-6DB70DBA9567}" type="datetimeFigureOut">
               <a:rPr lang="en-US" smtClean="0"/>
               <a:pPr/>
-              <a:t>12/15/2020</a:t>
+              <a:t>3/1/2021</a:t>
             </a:fld>
             <a:endParaRPr lang="en-US" dirty="0"/>
           </a:p>
@@ -1179,7 +1179,7 @@
             <a:fld id="{B61BEF0D-F0BB-DE4B-95CE-6DB70DBA9567}" type="datetimeFigureOut">
               <a:rPr lang="en-US" smtClean="0"/>
               <a:pPr/>
-              <a:t>12/15/2020</a:t>
+              <a:t>3/1/2021</a:t>
             </a:fld>
             <a:endParaRPr lang="en-US" dirty="0"/>
           </a:p>
@@ -1449,7 +1449,7 @@
             <a:fld id="{B61BEF0D-F0BB-DE4B-95CE-6DB70DBA9567}" type="datetimeFigureOut">
               <a:rPr lang="en-US" smtClean="0"/>
               <a:pPr/>
-              <a:t>12/15/2020</a:t>
+              <a:t>3/1/2021</a:t>
             </a:fld>
             <a:endParaRPr lang="en-US" dirty="0"/>
           </a:p>
@@ -1867,7 +1867,7 @@
             <a:fld id="{B61BEF0D-F0BB-DE4B-95CE-6DB70DBA9567}" type="datetimeFigureOut">
               <a:rPr lang="en-US" smtClean="0"/>
               <a:pPr/>
-              <a:t>12/15/2020</a:t>
+              <a:t>3/1/2021</a:t>
             </a:fld>
             <a:endParaRPr lang="en-US" dirty="0"/>
           </a:p>
@@ -2018,7 +2018,7 @@
             <a:fld id="{B61BEF0D-F0BB-DE4B-95CE-6DB70DBA9567}" type="datetimeFigureOut">
               <a:rPr lang="en-US" smtClean="0"/>
               <a:pPr/>
-              <a:t>12/15/2020</a:t>
+              <a:t>3/1/2021</a:t>
             </a:fld>
             <a:endParaRPr lang="en-US" dirty="0"/>
           </a:p>
@@ -2146,7 +2146,7 @@
             <a:fld id="{B61BEF0D-F0BB-DE4B-95CE-6DB70DBA9567}" type="datetimeFigureOut">
               <a:rPr lang="en-US" smtClean="0"/>
               <a:pPr/>
-              <a:t>12/15/2020</a:t>
+              <a:t>3/1/2021</a:t>
             </a:fld>
             <a:endParaRPr lang="en-US" dirty="0"/>
           </a:p>
@@ -2399,7 +2399,7 @@
             <a:fld id="{B61BEF0D-F0BB-DE4B-95CE-6DB70DBA9567}" type="datetimeFigureOut">
               <a:rPr lang="en-US" smtClean="0"/>
               <a:pPr/>
-              <a:t>12/15/2020</a:t>
+              <a:t>3/1/2021</a:t>
             </a:fld>
             <a:endParaRPr lang="en-US" dirty="0"/>
           </a:p>
@@ -2846,7 +2846,7 @@
             <a:fld id="{B61BEF0D-F0BB-DE4B-95CE-6DB70DBA9567}" type="datetimeFigureOut">
               <a:rPr lang="en-US" smtClean="0"/>
               <a:pPr/>
-              <a:t>12/15/2020</a:t>
+              <a:t>3/1/2021</a:t>
             </a:fld>
             <a:endParaRPr lang="en-US" dirty="0"/>
           </a:p>
@@ -3174,7 +3174,7 @@
             <a:fld id="{B61BEF0D-F0BB-DE4B-95CE-6DB70DBA9567}" type="datetimeFigureOut">
               <a:rPr lang="en-US" smtClean="0"/>
               <a:pPr/>
-              <a:t>12/15/2020</a:t>
+              <a:t>3/1/2021</a:t>
             </a:fld>
             <a:endParaRPr lang="en-US" dirty="0"/>
           </a:p>
@@ -3686,19 +3686,7 @@
             <a:pPr algn="ctr"/>
             <a:r>
               <a:rPr lang="ru-RU" sz="3200" b="1" dirty="0" smtClean="0"/>
-              <a:t>Итоговы</a:t>
-            </a:r>
-            <a:r>
-              <a:rPr lang="ru-RU" sz="3200" b="1" dirty="0" smtClean="0"/>
-              <a:t>й индивидуальный </a:t>
-            </a:r>
-            <a:r>
-              <a:rPr lang="ru-RU" sz="3200" b="1" dirty="0" smtClean="0"/>
-              <a:t>Проект</a:t>
-            </a:r>
-            <a:r>
-              <a:rPr lang="ru-RU" sz="3200" b="1" dirty="0" smtClean="0"/>
-              <a:t>:</a:t>
+              <a:t>Итоговый индивидуальный Проект:</a:t>
             </a:r>
             <a:r>
               <a:rPr lang="ru-RU" sz="3200" dirty="0" smtClean="0"/>
@@ -3715,12 +3703,16 @@
               <a:rPr lang="en-US" sz="3200" dirty="0" smtClean="0"/>
             </a:br>
             <a:r>
-              <a:rPr lang="ru-RU" sz="3200" dirty="0" smtClean="0"/>
+              <a:rPr lang="ru-RU" sz="3200" smtClean="0"/>
               <a:t>ИНФОРМАЦИОННАЯ </a:t>
             </a:r>
             <a:r>
+              <a:rPr lang="ru-RU" sz="3200" smtClean="0"/>
+              <a:t>БЕЗОПАСНОСТЬ</a:t>
+            </a:r>
+            <a:r>
               <a:rPr lang="ru-RU" sz="3200" dirty="0"/>
-              <a:t>БЕЗОПАСНОСТЬ:</a:t>
+              <a:t/>
             </a:r>
             <a:br>
               <a:rPr lang="ru-RU" sz="3200" dirty="0"/>
@@ -3828,11 +3820,11 @@
             </a:r>
             <a:r>
               <a:rPr lang="ru-RU" dirty="0" err="1" smtClean="0"/>
-              <a:t>Гражданцев</a:t>
+              <a:t>Мыринова</a:t>
             </a:r>
             <a:r>
               <a:rPr lang="ru-RU" dirty="0" smtClean="0"/>
-              <a:t> А.В.</a:t>
+              <a:t> А.Э.</a:t>
             </a:r>
             <a:endParaRPr lang="ru-RU" dirty="0"/>
           </a:p>
@@ -4405,7 +4397,7 @@
       </p:grpSpPr>
       <p:pic>
         <p:nvPicPr>
-          <p:cNvPr id="2" name="Рисунок 1"/>
+          <p:cNvPr id="6" name="Рисунок 5"/>
           <p:cNvPicPr>
             <a:picLocks noChangeAspect="1"/>
           </p:cNvPicPr>
@@ -4419,8 +4411,8 @@
         </p:blipFill>
         <p:spPr>
           <a:xfrm>
-            <a:off x="1147714" y="132821"/>
-            <a:ext cx="9871391" cy="6412358"/>
+            <a:off x="1147011" y="187805"/>
+            <a:ext cx="9745578" cy="6330631"/>
           </a:xfrm>
           <a:prstGeom prst="rect">
             <a:avLst/>
